--- a/figures/地震勘探算法与资源需求.pptx
+++ b/figures/地震勘探算法与资源需求.pptx
@@ -243,7 +243,7 @@
           <a:p>
             <a:fld id="{C29F919D-8149-2448-BEDA-229BF214BE8F}" type="datetimeFigureOut">
               <a:rPr kumimoji="1" lang="zh-CN" altLang="en-US" smtClean="0"/>
-              <a:t>2018/3/18</a:t>
+              <a:t>2018/3/21</a:t>
             </a:fld>
             <a:endParaRPr kumimoji="1" lang="zh-CN" altLang="en-US"/>
           </a:p>
@@ -408,7 +408,7 @@
           <a:p>
             <a:fld id="{C29F919D-8149-2448-BEDA-229BF214BE8F}" type="datetimeFigureOut">
               <a:rPr kumimoji="1" lang="zh-CN" altLang="en-US" smtClean="0"/>
-              <a:t>2018/3/18</a:t>
+              <a:t>2018/3/21</a:t>
             </a:fld>
             <a:endParaRPr kumimoji="1" lang="zh-CN" altLang="en-US"/>
           </a:p>
@@ -583,7 +583,7 @@
           <a:p>
             <a:fld id="{C29F919D-8149-2448-BEDA-229BF214BE8F}" type="datetimeFigureOut">
               <a:rPr kumimoji="1" lang="zh-CN" altLang="en-US" smtClean="0"/>
-              <a:t>2018/3/18</a:t>
+              <a:t>2018/3/21</a:t>
             </a:fld>
             <a:endParaRPr kumimoji="1" lang="zh-CN" altLang="en-US"/>
           </a:p>
@@ -748,7 +748,7 @@
           <a:p>
             <a:fld id="{C29F919D-8149-2448-BEDA-229BF214BE8F}" type="datetimeFigureOut">
               <a:rPr kumimoji="1" lang="zh-CN" altLang="en-US" smtClean="0"/>
-              <a:t>2018/3/18</a:t>
+              <a:t>2018/3/21</a:t>
             </a:fld>
             <a:endParaRPr kumimoji="1" lang="zh-CN" altLang="en-US"/>
           </a:p>
@@ -987,7 +987,7 @@
           <a:p>
             <a:fld id="{C29F919D-8149-2448-BEDA-229BF214BE8F}" type="datetimeFigureOut">
               <a:rPr kumimoji="1" lang="zh-CN" altLang="en-US" smtClean="0"/>
-              <a:t>2018/3/18</a:t>
+              <a:t>2018/3/21</a:t>
             </a:fld>
             <a:endParaRPr kumimoji="1" lang="zh-CN" altLang="en-US"/>
           </a:p>
@@ -1214,7 +1214,7 @@
           <a:p>
             <a:fld id="{C29F919D-8149-2448-BEDA-229BF214BE8F}" type="datetimeFigureOut">
               <a:rPr kumimoji="1" lang="zh-CN" altLang="en-US" smtClean="0"/>
-              <a:t>2018/3/18</a:t>
+              <a:t>2018/3/21</a:t>
             </a:fld>
             <a:endParaRPr kumimoji="1" lang="zh-CN" altLang="en-US"/>
           </a:p>
@@ -1576,7 +1576,7 @@
           <a:p>
             <a:fld id="{C29F919D-8149-2448-BEDA-229BF214BE8F}" type="datetimeFigureOut">
               <a:rPr kumimoji="1" lang="zh-CN" altLang="en-US" smtClean="0"/>
-              <a:t>2018/3/18</a:t>
+              <a:t>2018/3/21</a:t>
             </a:fld>
             <a:endParaRPr kumimoji="1" lang="zh-CN" altLang="en-US"/>
           </a:p>
@@ -1689,7 +1689,7 @@
           <a:p>
             <a:fld id="{C29F919D-8149-2448-BEDA-229BF214BE8F}" type="datetimeFigureOut">
               <a:rPr kumimoji="1" lang="zh-CN" altLang="en-US" smtClean="0"/>
-              <a:t>2018/3/18</a:t>
+              <a:t>2018/3/21</a:t>
             </a:fld>
             <a:endParaRPr kumimoji="1" lang="zh-CN" altLang="en-US"/>
           </a:p>
@@ -1779,7 +1779,7 @@
           <a:p>
             <a:fld id="{C29F919D-8149-2448-BEDA-229BF214BE8F}" type="datetimeFigureOut">
               <a:rPr kumimoji="1" lang="zh-CN" altLang="en-US" smtClean="0"/>
-              <a:t>2018/3/18</a:t>
+              <a:t>2018/3/21</a:t>
             </a:fld>
             <a:endParaRPr kumimoji="1" lang="zh-CN" altLang="en-US"/>
           </a:p>
@@ -2051,7 +2051,7 @@
           <a:p>
             <a:fld id="{C29F919D-8149-2448-BEDA-229BF214BE8F}" type="datetimeFigureOut">
               <a:rPr kumimoji="1" lang="zh-CN" altLang="en-US" smtClean="0"/>
-              <a:t>2018/3/18</a:t>
+              <a:t>2018/3/21</a:t>
             </a:fld>
             <a:endParaRPr kumimoji="1" lang="zh-CN" altLang="en-US"/>
           </a:p>
@@ -2303,7 +2303,7 @@
           <a:p>
             <a:fld id="{C29F919D-8149-2448-BEDA-229BF214BE8F}" type="datetimeFigureOut">
               <a:rPr kumimoji="1" lang="zh-CN" altLang="en-US" smtClean="0"/>
-              <a:t>2018/3/18</a:t>
+              <a:t>2018/3/21</a:t>
             </a:fld>
             <a:endParaRPr kumimoji="1" lang="zh-CN" altLang="en-US"/>
           </a:p>
@@ -2511,7 +2511,7 @@
           <a:p>
             <a:fld id="{C29F919D-8149-2448-BEDA-229BF214BE8F}" type="datetimeFigureOut">
               <a:rPr kumimoji="1" lang="zh-CN" altLang="en-US" smtClean="0"/>
-              <a:t>2018/3/18</a:t>
+              <a:t>2018/3/21</a:t>
             </a:fld>
             <a:endParaRPr kumimoji="1" lang="zh-CN" altLang="en-US"/>
           </a:p>
@@ -4031,302 +4031,362 @@
           </a:fontRef>
         </p:style>
       </p:cxnSp>
-      <p:cxnSp>
-        <p:nvCxnSpPr>
-          <p:cNvPr id="28" name="Straight Connector 27"/>
-          <p:cNvCxnSpPr/>
+      <p:grpSp>
+        <p:nvGrpSpPr>
+          <p:cNvPr id="49" name="组合 48"/>
+          <p:cNvGrpSpPr/>
           <p:nvPr/>
-        </p:nvCxnSpPr>
-        <p:spPr>
-          <a:xfrm rot="5400000">
-            <a:off x="1182668" y="4147675"/>
-            <a:ext cx="0" cy="143435"/>
-          </a:xfrm>
-          <a:prstGeom prst="line">
-            <a:avLst/>
-          </a:prstGeom>
-          <a:ln w="19050">
-            <a:solidFill>
+        </p:nvGrpSpPr>
+        <p:grpSpPr>
+          <a:xfrm>
+            <a:off x="929339" y="4088586"/>
+            <a:ext cx="325046" cy="261610"/>
+            <a:chOff x="929339" y="4088586"/>
+            <a:chExt cx="325046" cy="261610"/>
+          </a:xfrm>
+        </p:grpSpPr>
+        <p:cxnSp>
+          <p:nvCxnSpPr>
+            <p:cNvPr id="28" name="Straight Connector 27"/>
+            <p:cNvCxnSpPr/>
+            <p:nvPr/>
+          </p:nvCxnSpPr>
+          <p:spPr>
+            <a:xfrm rot="5400000">
+              <a:off x="1182668" y="4147675"/>
+              <a:ext cx="0" cy="143435"/>
+            </a:xfrm>
+            <a:prstGeom prst="line">
+              <a:avLst/>
+            </a:prstGeom>
+            <a:ln w="19050">
+              <a:solidFill>
+                <a:schemeClr val="tx1"/>
+              </a:solidFill>
+            </a:ln>
+          </p:spPr>
+          <p:style>
+            <a:lnRef idx="1">
+              <a:schemeClr val="accent1"/>
+            </a:lnRef>
+            <a:fillRef idx="0">
+              <a:schemeClr val="accent1"/>
+            </a:fillRef>
+            <a:effectRef idx="0">
+              <a:schemeClr val="accent1"/>
+            </a:effectRef>
+            <a:fontRef idx="minor">
               <a:schemeClr val="tx1"/>
-            </a:solidFill>
-          </a:ln>
-        </p:spPr>
-        <p:style>
-          <a:lnRef idx="1">
-            <a:schemeClr val="accent1"/>
-          </a:lnRef>
-          <a:fillRef idx="0">
-            <a:schemeClr val="accent1"/>
-          </a:fillRef>
-          <a:effectRef idx="0">
-            <a:schemeClr val="accent1"/>
-          </a:effectRef>
-          <a:fontRef idx="minor">
-            <a:schemeClr val="tx1"/>
-          </a:fontRef>
-        </p:style>
-      </p:cxnSp>
-      <p:sp>
-        <p:nvSpPr>
-          <p:cNvPr id="29" name="TextBox 28"/>
-          <p:cNvSpPr txBox="1"/>
-          <p:nvPr/>
-        </p:nvSpPr>
-        <p:spPr>
-          <a:xfrm>
-            <a:off x="913731" y="4088586"/>
-            <a:ext cx="250390" cy="261610"/>
-          </a:xfrm>
-          <a:prstGeom prst="rect">
-            <a:avLst/>
-          </a:prstGeom>
-          <a:noFill/>
-        </p:spPr>
-        <p:txBody>
-          <a:bodyPr wrap="none" rtlCol="0">
-            <a:spAutoFit/>
-          </a:bodyPr>
-          <a:lstStyle/>
-          <a:p>
-            <a:pPr algn="ctr"/>
-            <a:r>
-              <a:rPr lang="en-US" altLang="zh-CN" sz="1100" dirty="0">
+            </a:fontRef>
+          </p:style>
+        </p:cxnSp>
+        <p:sp>
+          <p:nvSpPr>
+            <p:cNvPr id="29" name="TextBox 28"/>
+            <p:cNvSpPr txBox="1"/>
+            <p:nvPr/>
+          </p:nvSpPr>
+          <p:spPr>
+            <a:xfrm>
+              <a:off x="929339" y="4088586"/>
+              <a:ext cx="255198" cy="261610"/>
+            </a:xfrm>
+            <a:prstGeom prst="rect">
+              <a:avLst/>
+            </a:prstGeom>
+            <a:noFill/>
+          </p:spPr>
+          <p:txBody>
+            <a:bodyPr wrap="none" rtlCol="0">
+              <a:spAutoFit/>
+            </a:bodyPr>
+            <a:lstStyle/>
+            <a:p>
+              <a:pPr algn="r"/>
+              <a:r>
+                <a:rPr lang="en-US" altLang="zh-CN" sz="1100" dirty="0">
+                  <a:latin typeface="Songti SC" charset="-122"/>
+                  <a:ea typeface="Songti SC" charset="-122"/>
+                  <a:cs typeface="Songti SC" charset="-122"/>
+                </a:rPr>
+                <a:t>1</a:t>
+              </a:r>
+              <a:endParaRPr lang="en-US" sz="1100" dirty="0">
                 <a:latin typeface="Songti SC" charset="-122"/>
                 <a:ea typeface="Songti SC" charset="-122"/>
                 <a:cs typeface="Songti SC" charset="-122"/>
-              </a:rPr>
-              <a:t>1</a:t>
-            </a:r>
-            <a:endParaRPr lang="en-US" sz="1100" dirty="0">
-              <a:latin typeface="Songti SC" charset="-122"/>
-              <a:ea typeface="Songti SC" charset="-122"/>
-              <a:cs typeface="Songti SC" charset="-122"/>
-            </a:endParaRPr>
-          </a:p>
-        </p:txBody>
-      </p:sp>
-      <p:cxnSp>
-        <p:nvCxnSpPr>
-          <p:cNvPr id="30" name="Straight Connector 29"/>
-          <p:cNvCxnSpPr/>
+              </a:endParaRPr>
+            </a:p>
+          </p:txBody>
+        </p:sp>
+      </p:grpSp>
+      <p:grpSp>
+        <p:nvGrpSpPr>
+          <p:cNvPr id="48" name="组合 47"/>
+          <p:cNvGrpSpPr/>
           <p:nvPr/>
-        </p:nvCxnSpPr>
-        <p:spPr>
-          <a:xfrm rot="5400000">
-            <a:off x="1182668" y="3597466"/>
-            <a:ext cx="0" cy="143435"/>
-          </a:xfrm>
-          <a:prstGeom prst="line">
-            <a:avLst/>
-          </a:prstGeom>
-          <a:ln w="19050">
-            <a:solidFill>
+        </p:nvGrpSpPr>
+        <p:grpSpPr>
+          <a:xfrm>
+            <a:off x="858806" y="3531687"/>
+            <a:ext cx="395579" cy="261610"/>
+            <a:chOff x="858806" y="3538378"/>
+            <a:chExt cx="395579" cy="261610"/>
+          </a:xfrm>
+        </p:grpSpPr>
+        <p:cxnSp>
+          <p:nvCxnSpPr>
+            <p:cNvPr id="30" name="Straight Connector 29"/>
+            <p:cNvCxnSpPr/>
+            <p:nvPr/>
+          </p:nvCxnSpPr>
+          <p:spPr>
+            <a:xfrm rot="5400000">
+              <a:off x="1182668" y="3597466"/>
+              <a:ext cx="0" cy="143435"/>
+            </a:xfrm>
+            <a:prstGeom prst="line">
+              <a:avLst/>
+            </a:prstGeom>
+            <a:ln w="19050">
+              <a:solidFill>
+                <a:schemeClr val="tx1"/>
+              </a:solidFill>
+            </a:ln>
+          </p:spPr>
+          <p:style>
+            <a:lnRef idx="1">
+              <a:schemeClr val="accent1"/>
+            </a:lnRef>
+            <a:fillRef idx="0">
+              <a:schemeClr val="accent1"/>
+            </a:fillRef>
+            <a:effectRef idx="0">
+              <a:schemeClr val="accent1"/>
+            </a:effectRef>
+            <a:fontRef idx="minor">
               <a:schemeClr val="tx1"/>
-            </a:solidFill>
-          </a:ln>
-        </p:spPr>
-        <p:style>
-          <a:lnRef idx="1">
-            <a:schemeClr val="accent1"/>
-          </a:lnRef>
-          <a:fillRef idx="0">
-            <a:schemeClr val="accent1"/>
-          </a:fillRef>
-          <a:effectRef idx="0">
-            <a:schemeClr val="accent1"/>
-          </a:effectRef>
-          <a:fontRef idx="minor">
-            <a:schemeClr val="tx1"/>
-          </a:fontRef>
-        </p:style>
-      </p:cxnSp>
-      <p:sp>
-        <p:nvSpPr>
-          <p:cNvPr id="31" name="TextBox 30"/>
-          <p:cNvSpPr txBox="1"/>
-          <p:nvPr/>
-        </p:nvSpPr>
-        <p:spPr>
-          <a:xfrm>
-            <a:off x="864092" y="3538378"/>
-            <a:ext cx="316112" cy="261610"/>
-          </a:xfrm>
-          <a:prstGeom prst="rect">
-            <a:avLst/>
-          </a:prstGeom>
-          <a:noFill/>
-        </p:spPr>
-        <p:txBody>
-          <a:bodyPr wrap="none" rtlCol="0">
-            <a:spAutoFit/>
-          </a:bodyPr>
-          <a:lstStyle/>
-          <a:p>
-            <a:pPr algn="ctr"/>
-            <a:r>
-              <a:rPr lang="en-US" altLang="zh-CN" sz="1100" dirty="0">
+            </a:fontRef>
+          </p:style>
+        </p:cxnSp>
+        <p:sp>
+          <p:nvSpPr>
+            <p:cNvPr id="31" name="TextBox 30"/>
+            <p:cNvSpPr txBox="1"/>
+            <p:nvPr/>
+          </p:nvSpPr>
+          <p:spPr>
+            <a:xfrm>
+              <a:off x="858806" y="3538378"/>
+              <a:ext cx="325731" cy="261610"/>
+            </a:xfrm>
+            <a:prstGeom prst="rect">
+              <a:avLst/>
+            </a:prstGeom>
+            <a:noFill/>
+          </p:spPr>
+          <p:txBody>
+            <a:bodyPr wrap="none" rtlCol="0">
+              <a:spAutoFit/>
+            </a:bodyPr>
+            <a:lstStyle/>
+            <a:p>
+              <a:pPr algn="r"/>
+              <a:r>
+                <a:rPr lang="en-US" altLang="zh-CN" sz="1100" dirty="0">
+                  <a:latin typeface="Songti SC" charset="-122"/>
+                  <a:ea typeface="Songti SC" charset="-122"/>
+                  <a:cs typeface="Songti SC" charset="-122"/>
+                </a:rPr>
+                <a:t>10</a:t>
+              </a:r>
+              <a:endParaRPr lang="en-US" sz="1100" dirty="0">
                 <a:latin typeface="Songti SC" charset="-122"/>
                 <a:ea typeface="Songti SC" charset="-122"/>
                 <a:cs typeface="Songti SC" charset="-122"/>
-              </a:rPr>
-              <a:t>10</a:t>
-            </a:r>
-            <a:endParaRPr lang="en-US" sz="1100" dirty="0">
-              <a:latin typeface="Songti SC" charset="-122"/>
-              <a:ea typeface="Songti SC" charset="-122"/>
-              <a:cs typeface="Songti SC" charset="-122"/>
-            </a:endParaRPr>
-          </a:p>
-        </p:txBody>
-      </p:sp>
-      <p:cxnSp>
-        <p:nvCxnSpPr>
-          <p:cNvPr id="32" name="Straight Connector 31"/>
-          <p:cNvCxnSpPr/>
+              </a:endParaRPr>
+            </a:p>
+          </p:txBody>
+        </p:sp>
+      </p:grpSp>
+      <p:grpSp>
+        <p:nvGrpSpPr>
+          <p:cNvPr id="47" name="组合 46"/>
+          <p:cNvGrpSpPr/>
           <p:nvPr/>
-        </p:nvCxnSpPr>
-        <p:spPr>
-          <a:xfrm rot="5400000">
-            <a:off x="1182668" y="3091104"/>
-            <a:ext cx="0" cy="143435"/>
-          </a:xfrm>
-          <a:prstGeom prst="line">
-            <a:avLst/>
-          </a:prstGeom>
-          <a:ln w="19050">
-            <a:solidFill>
+        </p:nvGrpSpPr>
+        <p:grpSpPr>
+          <a:xfrm>
+            <a:off x="788274" y="2974789"/>
+            <a:ext cx="466111" cy="261610"/>
+            <a:chOff x="788274" y="3032016"/>
+            <a:chExt cx="466111" cy="261610"/>
+          </a:xfrm>
+        </p:grpSpPr>
+        <p:cxnSp>
+          <p:nvCxnSpPr>
+            <p:cNvPr id="32" name="Straight Connector 31"/>
+            <p:cNvCxnSpPr/>
+            <p:nvPr/>
+          </p:nvCxnSpPr>
+          <p:spPr>
+            <a:xfrm rot="5400000">
+              <a:off x="1182668" y="3091104"/>
+              <a:ext cx="0" cy="143435"/>
+            </a:xfrm>
+            <a:prstGeom prst="line">
+              <a:avLst/>
+            </a:prstGeom>
+            <a:ln w="19050">
+              <a:solidFill>
+                <a:schemeClr val="tx1"/>
+              </a:solidFill>
+            </a:ln>
+          </p:spPr>
+          <p:style>
+            <a:lnRef idx="1">
+              <a:schemeClr val="accent1"/>
+            </a:lnRef>
+            <a:fillRef idx="0">
+              <a:schemeClr val="accent1"/>
+            </a:fillRef>
+            <a:effectRef idx="0">
+              <a:schemeClr val="accent1"/>
+            </a:effectRef>
+            <a:fontRef idx="minor">
               <a:schemeClr val="tx1"/>
-            </a:solidFill>
-          </a:ln>
-        </p:spPr>
-        <p:style>
-          <a:lnRef idx="1">
-            <a:schemeClr val="accent1"/>
-          </a:lnRef>
-          <a:fillRef idx="0">
-            <a:schemeClr val="accent1"/>
-          </a:fillRef>
-          <a:effectRef idx="0">
-            <a:schemeClr val="accent1"/>
-          </a:effectRef>
-          <a:fontRef idx="minor">
-            <a:schemeClr val="tx1"/>
-          </a:fontRef>
-        </p:style>
-      </p:cxnSp>
-      <p:sp>
-        <p:nvSpPr>
-          <p:cNvPr id="33" name="TextBox 32"/>
-          <p:cNvSpPr txBox="1"/>
-          <p:nvPr/>
-        </p:nvSpPr>
-        <p:spPr>
-          <a:xfrm>
-            <a:off x="804464" y="3032016"/>
-            <a:ext cx="381836" cy="261610"/>
-          </a:xfrm>
-          <a:prstGeom prst="rect">
-            <a:avLst/>
-          </a:prstGeom>
-          <a:noFill/>
-        </p:spPr>
-        <p:txBody>
-          <a:bodyPr wrap="none" rtlCol="0">
-            <a:spAutoFit/>
-          </a:bodyPr>
-          <a:lstStyle/>
-          <a:p>
-            <a:pPr algn="ctr"/>
-            <a:r>
-              <a:rPr lang="en-US" altLang="zh-CN" sz="1100">
+            </a:fontRef>
+          </p:style>
+        </p:cxnSp>
+        <p:sp>
+          <p:nvSpPr>
+            <p:cNvPr id="33" name="TextBox 32"/>
+            <p:cNvSpPr txBox="1"/>
+            <p:nvPr/>
+          </p:nvSpPr>
+          <p:spPr>
+            <a:xfrm>
+              <a:off x="788274" y="3032016"/>
+              <a:ext cx="396263" cy="261610"/>
+            </a:xfrm>
+            <a:prstGeom prst="rect">
+              <a:avLst/>
+            </a:prstGeom>
+            <a:noFill/>
+          </p:spPr>
+          <p:txBody>
+            <a:bodyPr wrap="none" rtlCol="0">
+              <a:spAutoFit/>
+            </a:bodyPr>
+            <a:lstStyle/>
+            <a:p>
+              <a:pPr algn="r"/>
+              <a:r>
+                <a:rPr lang="en-US" altLang="zh-CN" sz="1100" dirty="0">
+                  <a:latin typeface="Songti SC" charset="-122"/>
+                  <a:ea typeface="Songti SC" charset="-122"/>
+                  <a:cs typeface="Songti SC" charset="-122"/>
+                </a:rPr>
+                <a:t>100</a:t>
+              </a:r>
+              <a:endParaRPr lang="en-US" sz="1100" dirty="0">
                 <a:latin typeface="Songti SC" charset="-122"/>
                 <a:ea typeface="Songti SC" charset="-122"/>
                 <a:cs typeface="Songti SC" charset="-122"/>
-              </a:rPr>
-              <a:t>100</a:t>
-            </a:r>
-            <a:endParaRPr lang="en-US" sz="1100" dirty="0">
-              <a:latin typeface="Songti SC" charset="-122"/>
-              <a:ea typeface="Songti SC" charset="-122"/>
-              <a:cs typeface="Songti SC" charset="-122"/>
-            </a:endParaRPr>
-          </a:p>
-        </p:txBody>
-      </p:sp>
-      <p:cxnSp>
-        <p:nvCxnSpPr>
-          <p:cNvPr id="34" name="Straight Connector 33"/>
-          <p:cNvCxnSpPr/>
+              </a:endParaRPr>
+            </a:p>
+          </p:txBody>
+        </p:sp>
+      </p:grpSp>
+      <p:grpSp>
+        <p:nvGrpSpPr>
+          <p:cNvPr id="45" name="组合 44"/>
+          <p:cNvGrpSpPr/>
           <p:nvPr/>
-        </p:nvCxnSpPr>
-        <p:spPr>
-          <a:xfrm rot="5400000">
-            <a:off x="1182668" y="1920081"/>
-            <a:ext cx="0" cy="143435"/>
-          </a:xfrm>
-          <a:prstGeom prst="line">
-            <a:avLst/>
-          </a:prstGeom>
-          <a:ln w="19050">
-            <a:solidFill>
+        </p:nvGrpSpPr>
+        <p:grpSpPr>
+          <a:xfrm>
+            <a:off x="647209" y="1860993"/>
+            <a:ext cx="607176" cy="261610"/>
+            <a:chOff x="647209" y="1860993"/>
+            <a:chExt cx="607176" cy="261610"/>
+          </a:xfrm>
+        </p:grpSpPr>
+        <p:cxnSp>
+          <p:nvCxnSpPr>
+            <p:cNvPr id="34" name="Straight Connector 33"/>
+            <p:cNvCxnSpPr/>
+            <p:nvPr/>
+          </p:nvCxnSpPr>
+          <p:spPr>
+            <a:xfrm rot="5400000">
+              <a:off x="1182668" y="1920081"/>
+              <a:ext cx="0" cy="143435"/>
+            </a:xfrm>
+            <a:prstGeom prst="line">
+              <a:avLst/>
+            </a:prstGeom>
+            <a:ln w="19050">
+              <a:solidFill>
+                <a:schemeClr val="tx1"/>
+              </a:solidFill>
+            </a:ln>
+          </p:spPr>
+          <p:style>
+            <a:lnRef idx="1">
+              <a:schemeClr val="accent1"/>
+            </a:lnRef>
+            <a:fillRef idx="0">
+              <a:schemeClr val="accent1"/>
+            </a:fillRef>
+            <a:effectRef idx="0">
+              <a:schemeClr val="accent1"/>
+            </a:effectRef>
+            <a:fontRef idx="minor">
               <a:schemeClr val="tx1"/>
-            </a:solidFill>
-          </a:ln>
-        </p:spPr>
-        <p:style>
-          <a:lnRef idx="1">
-            <a:schemeClr val="accent1"/>
-          </a:lnRef>
-          <a:fillRef idx="0">
-            <a:schemeClr val="accent1"/>
-          </a:fillRef>
-          <a:effectRef idx="0">
-            <a:schemeClr val="accent1"/>
-          </a:effectRef>
-          <a:fontRef idx="minor">
-            <a:schemeClr val="tx1"/>
-          </a:fontRef>
-        </p:style>
-      </p:cxnSp>
-      <p:sp>
-        <p:nvSpPr>
-          <p:cNvPr id="35" name="TextBox 34"/>
-          <p:cNvSpPr txBox="1"/>
-          <p:nvPr/>
-        </p:nvSpPr>
-        <p:spPr>
-          <a:xfrm>
-            <a:off x="739646" y="1860993"/>
-            <a:ext cx="447559" cy="261610"/>
-          </a:xfrm>
-          <a:prstGeom prst="rect">
-            <a:avLst/>
-          </a:prstGeom>
-          <a:noFill/>
-        </p:spPr>
-        <p:txBody>
-          <a:bodyPr wrap="none" rtlCol="0">
-            <a:spAutoFit/>
-          </a:bodyPr>
-          <a:lstStyle/>
-          <a:p>
-            <a:pPr algn="ctr"/>
-            <a:r>
-              <a:rPr lang="en-US" altLang="zh-CN" sz="1100" dirty="0">
+            </a:fontRef>
+          </p:style>
+        </p:cxnSp>
+        <p:sp>
+          <p:nvSpPr>
+            <p:cNvPr id="35" name="TextBox 34"/>
+            <p:cNvSpPr txBox="1"/>
+            <p:nvPr/>
+          </p:nvSpPr>
+          <p:spPr>
+            <a:xfrm>
+              <a:off x="647209" y="1860993"/>
+              <a:ext cx="537328" cy="261610"/>
+            </a:xfrm>
+            <a:prstGeom prst="rect">
+              <a:avLst/>
+            </a:prstGeom>
+            <a:noFill/>
+          </p:spPr>
+          <p:txBody>
+            <a:bodyPr wrap="none" rtlCol="0">
+              <a:spAutoFit/>
+            </a:bodyPr>
+            <a:lstStyle/>
+            <a:p>
+              <a:pPr algn="r"/>
+              <a:r>
+                <a:rPr lang="en-US" altLang="zh-CN" sz="1100" dirty="0" smtClean="0">
+                  <a:latin typeface="Songti SC" charset="-122"/>
+                  <a:ea typeface="Songti SC" charset="-122"/>
+                  <a:cs typeface="Songti SC" charset="-122"/>
+                </a:rPr>
+                <a:t>10000</a:t>
+              </a:r>
+              <a:endParaRPr lang="en-US" sz="1100" dirty="0">
                 <a:latin typeface="Songti SC" charset="-122"/>
                 <a:ea typeface="Songti SC" charset="-122"/>
                 <a:cs typeface="Songti SC" charset="-122"/>
-              </a:rPr>
-              <a:t>1000</a:t>
-            </a:r>
-            <a:endParaRPr lang="en-US" sz="1100" dirty="0">
-              <a:latin typeface="Songti SC" charset="-122"/>
-              <a:ea typeface="Songti SC" charset="-122"/>
-              <a:cs typeface="Songti SC" charset="-122"/>
-            </a:endParaRPr>
-          </a:p>
-        </p:txBody>
-      </p:sp>
+              </a:endParaRPr>
+            </a:p>
+          </p:txBody>
+        </p:sp>
+      </p:grpSp>
       <p:sp>
         <p:nvSpPr>
           <p:cNvPr id="36" name="TextBox 35"/>
@@ -4405,6 +4465,95 @@
           </a:p>
         </p:txBody>
       </p:sp>
+      <p:grpSp>
+        <p:nvGrpSpPr>
+          <p:cNvPr id="46" name="组合 45"/>
+          <p:cNvGrpSpPr/>
+          <p:nvPr/>
+        </p:nvGrpSpPr>
+        <p:grpSpPr>
+          <a:xfrm>
+            <a:off x="658171" y="2417891"/>
+            <a:ext cx="596214" cy="261610"/>
+            <a:chOff x="658171" y="2446504"/>
+            <a:chExt cx="596214" cy="261610"/>
+          </a:xfrm>
+        </p:grpSpPr>
+        <p:cxnSp>
+          <p:nvCxnSpPr>
+            <p:cNvPr id="40" name="Straight Connector 31"/>
+            <p:cNvCxnSpPr/>
+            <p:nvPr/>
+          </p:nvCxnSpPr>
+          <p:spPr>
+            <a:xfrm rot="5400000">
+              <a:off x="1182668" y="2505592"/>
+              <a:ext cx="0" cy="143435"/>
+            </a:xfrm>
+            <a:prstGeom prst="line">
+              <a:avLst/>
+            </a:prstGeom>
+            <a:ln w="19050">
+              <a:solidFill>
+                <a:schemeClr val="tx1"/>
+              </a:solidFill>
+            </a:ln>
+          </p:spPr>
+          <p:style>
+            <a:lnRef idx="1">
+              <a:schemeClr val="accent1"/>
+            </a:lnRef>
+            <a:fillRef idx="0">
+              <a:schemeClr val="accent1"/>
+            </a:fillRef>
+            <a:effectRef idx="0">
+              <a:schemeClr val="accent1"/>
+            </a:effectRef>
+            <a:fontRef idx="minor">
+              <a:schemeClr val="tx1"/>
+            </a:fontRef>
+          </p:style>
+        </p:cxnSp>
+        <p:sp>
+          <p:nvSpPr>
+            <p:cNvPr id="41" name="TextBox 32"/>
+            <p:cNvSpPr txBox="1"/>
+            <p:nvPr/>
+          </p:nvSpPr>
+          <p:spPr>
+            <a:xfrm>
+              <a:off x="658171" y="2446504"/>
+              <a:ext cx="526366" cy="261610"/>
+            </a:xfrm>
+            <a:prstGeom prst="rect">
+              <a:avLst/>
+            </a:prstGeom>
+            <a:noFill/>
+          </p:spPr>
+          <p:txBody>
+            <a:bodyPr wrap="square" rtlCol="0">
+              <a:spAutoFit/>
+            </a:bodyPr>
+            <a:lstStyle/>
+            <a:p>
+              <a:pPr algn="r"/>
+              <a:r>
+                <a:rPr lang="en-US" altLang="zh-CN" sz="1100" dirty="0" smtClean="0">
+                  <a:latin typeface="Songti SC" charset="-122"/>
+                  <a:ea typeface="Songti SC" charset="-122"/>
+                  <a:cs typeface="Songti SC" charset="-122"/>
+                </a:rPr>
+                <a:t>1000</a:t>
+              </a:r>
+              <a:endParaRPr lang="en-US" sz="1100" dirty="0">
+                <a:latin typeface="Songti SC" charset="-122"/>
+                <a:ea typeface="Songti SC" charset="-122"/>
+                <a:cs typeface="Songti SC" charset="-122"/>
+              </a:endParaRPr>
+            </a:p>
+          </p:txBody>
+        </p:sp>
+      </p:grpSp>
     </p:spTree>
     <p:extLst>
       <p:ext uri="{BB962C8B-B14F-4D97-AF65-F5344CB8AC3E}">

--- a/figures/地震勘探算法与资源需求.pptx
+++ b/figures/地震勘探算法与资源需求.pptx
@@ -243,7 +243,7 @@
           <a:p>
             <a:fld id="{C29F919D-8149-2448-BEDA-229BF214BE8F}" type="datetimeFigureOut">
               <a:rPr kumimoji="1" lang="zh-CN" altLang="en-US" smtClean="0"/>
-              <a:t>2018/3/21</a:t>
+              <a:t>2018/4/9</a:t>
             </a:fld>
             <a:endParaRPr kumimoji="1" lang="zh-CN" altLang="en-US"/>
           </a:p>
@@ -408,7 +408,7 @@
           <a:p>
             <a:fld id="{C29F919D-8149-2448-BEDA-229BF214BE8F}" type="datetimeFigureOut">
               <a:rPr kumimoji="1" lang="zh-CN" altLang="en-US" smtClean="0"/>
-              <a:t>2018/3/21</a:t>
+              <a:t>2018/4/9</a:t>
             </a:fld>
             <a:endParaRPr kumimoji="1" lang="zh-CN" altLang="en-US"/>
           </a:p>
@@ -583,7 +583,7 @@
           <a:p>
             <a:fld id="{C29F919D-8149-2448-BEDA-229BF214BE8F}" type="datetimeFigureOut">
               <a:rPr kumimoji="1" lang="zh-CN" altLang="en-US" smtClean="0"/>
-              <a:t>2018/3/21</a:t>
+              <a:t>2018/4/9</a:t>
             </a:fld>
             <a:endParaRPr kumimoji="1" lang="zh-CN" altLang="en-US"/>
           </a:p>
@@ -748,7 +748,7 @@
           <a:p>
             <a:fld id="{C29F919D-8149-2448-BEDA-229BF214BE8F}" type="datetimeFigureOut">
               <a:rPr kumimoji="1" lang="zh-CN" altLang="en-US" smtClean="0"/>
-              <a:t>2018/3/21</a:t>
+              <a:t>2018/4/9</a:t>
             </a:fld>
             <a:endParaRPr kumimoji="1" lang="zh-CN" altLang="en-US"/>
           </a:p>
@@ -987,7 +987,7 @@
           <a:p>
             <a:fld id="{C29F919D-8149-2448-BEDA-229BF214BE8F}" type="datetimeFigureOut">
               <a:rPr kumimoji="1" lang="zh-CN" altLang="en-US" smtClean="0"/>
-              <a:t>2018/3/21</a:t>
+              <a:t>2018/4/9</a:t>
             </a:fld>
             <a:endParaRPr kumimoji="1" lang="zh-CN" altLang="en-US"/>
           </a:p>
@@ -1214,7 +1214,7 @@
           <a:p>
             <a:fld id="{C29F919D-8149-2448-BEDA-229BF214BE8F}" type="datetimeFigureOut">
               <a:rPr kumimoji="1" lang="zh-CN" altLang="en-US" smtClean="0"/>
-              <a:t>2018/3/21</a:t>
+              <a:t>2018/4/9</a:t>
             </a:fld>
             <a:endParaRPr kumimoji="1" lang="zh-CN" altLang="en-US"/>
           </a:p>
@@ -1576,7 +1576,7 @@
           <a:p>
             <a:fld id="{C29F919D-8149-2448-BEDA-229BF214BE8F}" type="datetimeFigureOut">
               <a:rPr kumimoji="1" lang="zh-CN" altLang="en-US" smtClean="0"/>
-              <a:t>2018/3/21</a:t>
+              <a:t>2018/4/9</a:t>
             </a:fld>
             <a:endParaRPr kumimoji="1" lang="zh-CN" altLang="en-US"/>
           </a:p>
@@ -1689,7 +1689,7 @@
           <a:p>
             <a:fld id="{C29F919D-8149-2448-BEDA-229BF214BE8F}" type="datetimeFigureOut">
               <a:rPr kumimoji="1" lang="zh-CN" altLang="en-US" smtClean="0"/>
-              <a:t>2018/3/21</a:t>
+              <a:t>2018/4/9</a:t>
             </a:fld>
             <a:endParaRPr kumimoji="1" lang="zh-CN" altLang="en-US"/>
           </a:p>
@@ -1779,7 +1779,7 @@
           <a:p>
             <a:fld id="{C29F919D-8149-2448-BEDA-229BF214BE8F}" type="datetimeFigureOut">
               <a:rPr kumimoji="1" lang="zh-CN" altLang="en-US" smtClean="0"/>
-              <a:t>2018/3/21</a:t>
+              <a:t>2018/4/9</a:t>
             </a:fld>
             <a:endParaRPr kumimoji="1" lang="zh-CN" altLang="en-US"/>
           </a:p>
@@ -2051,7 +2051,7 @@
           <a:p>
             <a:fld id="{C29F919D-8149-2448-BEDA-229BF214BE8F}" type="datetimeFigureOut">
               <a:rPr kumimoji="1" lang="zh-CN" altLang="en-US" smtClean="0"/>
-              <a:t>2018/3/21</a:t>
+              <a:t>2018/4/9</a:t>
             </a:fld>
             <a:endParaRPr kumimoji="1" lang="zh-CN" altLang="en-US"/>
           </a:p>
@@ -2303,7 +2303,7 @@
           <a:p>
             <a:fld id="{C29F919D-8149-2448-BEDA-229BF214BE8F}" type="datetimeFigureOut">
               <a:rPr kumimoji="1" lang="zh-CN" altLang="en-US" smtClean="0"/>
-              <a:t>2018/3/21</a:t>
+              <a:t>2018/4/9</a:t>
             </a:fld>
             <a:endParaRPr kumimoji="1" lang="zh-CN" altLang="en-US"/>
           </a:p>
@@ -2511,7 +2511,7 @@
           <a:p>
             <a:fld id="{C29F919D-8149-2448-BEDA-229BF214BE8F}" type="datetimeFigureOut">
               <a:rPr kumimoji="1" lang="zh-CN" altLang="en-US" smtClean="0"/>
-              <a:t>2018/3/21</a:t>
+              <a:t>2018/4/9</a:t>
             </a:fld>
             <a:endParaRPr kumimoji="1" lang="zh-CN" altLang="en-US"/>
           </a:p>
@@ -2934,6 +2934,8 @@
             <a:solidFill>
               <a:schemeClr val="tx1"/>
             </a:solidFill>
+            <a:headEnd type="none"/>
+            <a:tailEnd type="arrow"/>
           </a:ln>
         </p:spPr>
         <p:style>
@@ -2969,6 +2971,8 @@
             <a:solidFill>
               <a:schemeClr val="tx1"/>
             </a:solidFill>
+            <a:headEnd type="arrow"/>
+            <a:tailEnd type="none"/>
           </a:ln>
         </p:spPr>
         <p:style>
@@ -4554,6 +4558,45 @@
           </p:txBody>
         </p:sp>
       </p:grpSp>
+      <p:sp>
+        <p:nvSpPr>
+          <p:cNvPr id="52" name="TextBox 51"/>
+          <p:cNvSpPr txBox="1"/>
+          <p:nvPr/>
+        </p:nvSpPr>
+        <p:spPr>
+          <a:xfrm>
+            <a:off x="925789" y="4753890"/>
+            <a:ext cx="250390" cy="261610"/>
+          </a:xfrm>
+          <a:prstGeom prst="rect">
+            <a:avLst/>
+          </a:prstGeom>
+          <a:noFill/>
+        </p:spPr>
+        <p:txBody>
+          <a:bodyPr wrap="none" rtlCol="0">
+            <a:spAutoFit/>
+          </a:bodyPr>
+          <a:lstStyle/>
+          <a:p>
+            <a:pPr algn="r"/>
+            <a:r>
+              <a:rPr lang="en-US" altLang="zh-CN" sz="1100" dirty="0">
+                <a:latin typeface="Songti SC" charset="-122"/>
+                <a:ea typeface="Songti SC" charset="-122"/>
+                <a:cs typeface="Songti SC" charset="-122"/>
+              </a:rPr>
+              <a:t>0</a:t>
+            </a:r>
+            <a:endParaRPr lang="en-US" sz="1100" dirty="0">
+              <a:latin typeface="Songti SC" charset="-122"/>
+              <a:ea typeface="Songti SC" charset="-122"/>
+              <a:cs typeface="Songti SC" charset="-122"/>
+            </a:endParaRPr>
+          </a:p>
+        </p:txBody>
+      </p:sp>
     </p:spTree>
     <p:extLst>
       <p:ext uri="{BB962C8B-B14F-4D97-AF65-F5344CB8AC3E}">
